--- a/DraftSlides/Lecture6.pptx
+++ b/DraftSlides/Lecture6.pptx
@@ -7,7 +7,7 @@
     <p:sldMasterId id="2147483711" r:id="rId3"/>
   </p:sldMasterIdLst>
   <p:notesMasterIdLst>
-    <p:notesMasterId r:id="rId17"/>
+    <p:notesMasterId r:id="rId15"/>
   </p:notesMasterIdLst>
   <p:sldIdLst>
     <p:sldId id="405" r:id="rId4"/>
@@ -21,8 +21,6 @@
     <p:sldId id="1879" r:id="rId12"/>
     <p:sldId id="1880" r:id="rId13"/>
     <p:sldId id="1872" r:id="rId14"/>
-    <p:sldId id="1876" r:id="rId15"/>
-    <p:sldId id="1874" r:id="rId16"/>
   </p:sldIdLst>
   <p:sldSz cx="10077450" cy="7562850"/>
   <p:notesSz cx="6858000" cy="9144000"/>
@@ -152,14 +150,6 @@
 </p:cmAuthorLst>
 </file>
 
-<file path=ppt/revisionInfo.xml><?xml version="1.0" encoding="utf-8"?>
-<p1510:revInfo xmlns:a="http://schemas.openxmlformats.org/drawingml/2006/main" xmlns:r="http://schemas.openxmlformats.org/officeDocument/2006/relationships" xmlns:p1510="http://schemas.microsoft.com/office/powerpoint/2015/10/main">
-  <p1510:revLst>
-    <p1510:client id="{F124A692-C60E-4A7F-BFFC-022D6F04C37B}" v="3" dt="2021-09-22T14:39:04.306"/>
-  </p1510:revLst>
-</p1510:revInfo>
-</file>
-
 <file path=ppt/changesInfos/changesInfo1.xml><?xml version="1.0" encoding="utf-8"?>
 <pc:chgInfo xmlns:a="http://schemas.openxmlformats.org/drawingml/2006/main" xmlns:r="http://schemas.openxmlformats.org/officeDocument/2006/relationships" xmlns:ac="http://schemas.microsoft.com/office/drawing/2013/main/command" xmlns:pc="http://schemas.microsoft.com/office/powerpoint/2013/main/command">
   <pc:docChgLst>
@@ -595,6 +585,68 @@
             <pc:docMk/>
             <pc:sldMk cId="1241308872" sldId="1860"/>
             <ac:spMk id="3" creationId="{BDC81B29-68EF-D34F-B9F6-D9EC25476DFF}"/>
+          </ac:spMkLst>
+        </pc:spChg>
+      </pc:sldChg>
+    </pc:docChg>
+  </pc:docChgLst>
+  <pc:docChgLst>
+    <pc:chgData name="Khattab, Sherif" userId="c83b1e15-36f3-4f46-aceb-05aac24c545e" providerId="ADAL" clId="{44E41F31-2801-6340-85AA-C9D8C12F10B4}"/>
+    <pc:docChg chg="undo custSel modSld">
+      <pc:chgData name="Khattab, Sherif" userId="c83b1e15-36f3-4f46-aceb-05aac24c545e" providerId="ADAL" clId="{44E41F31-2801-6340-85AA-C9D8C12F10B4}" dt="2021-02-03T13:23:46.469" v="495" actId="20577"/>
+      <pc:docMkLst>
+        <pc:docMk/>
+      </pc:docMkLst>
+      <pc:sldChg chg="modSp mod">
+        <pc:chgData name="Khattab, Sherif" userId="c83b1e15-36f3-4f46-aceb-05aac24c545e" providerId="ADAL" clId="{44E41F31-2801-6340-85AA-C9D8C12F10B4}" dt="2021-02-03T13:11:16.258" v="119" actId="313"/>
+        <pc:sldMkLst>
+          <pc:docMk/>
+          <pc:sldMk cId="2823856332" sldId="499"/>
+        </pc:sldMkLst>
+        <pc:spChg chg="mod">
+          <ac:chgData name="Khattab, Sherif" userId="c83b1e15-36f3-4f46-aceb-05aac24c545e" providerId="ADAL" clId="{44E41F31-2801-6340-85AA-C9D8C12F10B4}" dt="2021-02-03T13:11:16.258" v="119" actId="313"/>
+          <ac:spMkLst>
+            <pc:docMk/>
+            <pc:sldMk cId="2823856332" sldId="499"/>
+            <ac:spMk id="3" creationId="{E1064C43-9078-4C76-A016-C8AE45AE9774}"/>
+          </ac:spMkLst>
+        </pc:spChg>
+      </pc:sldChg>
+      <pc:sldChg chg="modSp mod">
+        <pc:chgData name="Khattab, Sherif" userId="c83b1e15-36f3-4f46-aceb-05aac24c545e" providerId="ADAL" clId="{44E41F31-2801-6340-85AA-C9D8C12F10B4}" dt="2021-02-03T13:12:24.257" v="312" actId="20577"/>
+        <pc:sldMkLst>
+          <pc:docMk/>
+          <pc:sldMk cId="1241308872" sldId="1860"/>
+        </pc:sldMkLst>
+        <pc:spChg chg="mod">
+          <ac:chgData name="Khattab, Sherif" userId="c83b1e15-36f3-4f46-aceb-05aac24c545e" providerId="ADAL" clId="{44E41F31-2801-6340-85AA-C9D8C12F10B4}" dt="2021-02-03T13:12:24.257" v="312" actId="20577"/>
+          <ac:spMkLst>
+            <pc:docMk/>
+            <pc:sldMk cId="1241308872" sldId="1860"/>
+            <ac:spMk id="3" creationId="{BDC81B29-68EF-D34F-B9F6-D9EC25476DFF}"/>
+          </ac:spMkLst>
+        </pc:spChg>
+      </pc:sldChg>
+      <pc:sldChg chg="modSp mod">
+        <pc:chgData name="Khattab, Sherif" userId="c83b1e15-36f3-4f46-aceb-05aac24c545e" providerId="ADAL" clId="{44E41F31-2801-6340-85AA-C9D8C12F10B4}" dt="2021-02-03T13:23:46.469" v="495" actId="20577"/>
+        <pc:sldMkLst>
+          <pc:docMk/>
+          <pc:sldMk cId="2592895379" sldId="1861"/>
+        </pc:sldMkLst>
+        <pc:spChg chg="mod">
+          <ac:chgData name="Khattab, Sherif" userId="c83b1e15-36f3-4f46-aceb-05aac24c545e" providerId="ADAL" clId="{44E41F31-2801-6340-85AA-C9D8C12F10B4}" dt="2021-02-03T13:12:35.964" v="328" actId="20577"/>
+          <ac:spMkLst>
+            <pc:docMk/>
+            <pc:sldMk cId="2592895379" sldId="1861"/>
+            <ac:spMk id="2" creationId="{BC3ADD74-EB95-47D3-9ED2-6D8DD55DD99C}"/>
+          </ac:spMkLst>
+        </pc:spChg>
+        <pc:spChg chg="mod">
+          <ac:chgData name="Khattab, Sherif" userId="c83b1e15-36f3-4f46-aceb-05aac24c545e" providerId="ADAL" clId="{44E41F31-2801-6340-85AA-C9D8C12F10B4}" dt="2021-02-03T13:23:46.469" v="495" actId="20577"/>
+          <ac:spMkLst>
+            <pc:docMk/>
+            <pc:sldMk cId="2592895379" sldId="1861"/>
+            <ac:spMk id="3" creationId="{A296D1F4-E837-4F96-9F51-0E48E82EFCB0}"/>
           </ac:spMkLst>
         </pc:spChg>
       </pc:sldChg>
@@ -1124,68 +1176,6 @@
             <ac:inkMk id="9" creationId="{4FD12EAE-589B-4541-9F24-E7D86656CE2F}"/>
           </ac:inkMkLst>
         </pc:inkChg>
-      </pc:sldChg>
-    </pc:docChg>
-  </pc:docChgLst>
-  <pc:docChgLst>
-    <pc:chgData name="Khattab, Sherif" userId="c83b1e15-36f3-4f46-aceb-05aac24c545e" providerId="ADAL" clId="{44E41F31-2801-6340-85AA-C9D8C12F10B4}"/>
-    <pc:docChg chg="undo custSel modSld">
-      <pc:chgData name="Khattab, Sherif" userId="c83b1e15-36f3-4f46-aceb-05aac24c545e" providerId="ADAL" clId="{44E41F31-2801-6340-85AA-C9D8C12F10B4}" dt="2021-02-03T13:23:46.469" v="495" actId="20577"/>
-      <pc:docMkLst>
-        <pc:docMk/>
-      </pc:docMkLst>
-      <pc:sldChg chg="modSp mod">
-        <pc:chgData name="Khattab, Sherif" userId="c83b1e15-36f3-4f46-aceb-05aac24c545e" providerId="ADAL" clId="{44E41F31-2801-6340-85AA-C9D8C12F10B4}" dt="2021-02-03T13:11:16.258" v="119" actId="313"/>
-        <pc:sldMkLst>
-          <pc:docMk/>
-          <pc:sldMk cId="2823856332" sldId="499"/>
-        </pc:sldMkLst>
-        <pc:spChg chg="mod">
-          <ac:chgData name="Khattab, Sherif" userId="c83b1e15-36f3-4f46-aceb-05aac24c545e" providerId="ADAL" clId="{44E41F31-2801-6340-85AA-C9D8C12F10B4}" dt="2021-02-03T13:11:16.258" v="119" actId="313"/>
-          <ac:spMkLst>
-            <pc:docMk/>
-            <pc:sldMk cId="2823856332" sldId="499"/>
-            <ac:spMk id="3" creationId="{E1064C43-9078-4C76-A016-C8AE45AE9774}"/>
-          </ac:spMkLst>
-        </pc:spChg>
-      </pc:sldChg>
-      <pc:sldChg chg="modSp mod">
-        <pc:chgData name="Khattab, Sherif" userId="c83b1e15-36f3-4f46-aceb-05aac24c545e" providerId="ADAL" clId="{44E41F31-2801-6340-85AA-C9D8C12F10B4}" dt="2021-02-03T13:12:24.257" v="312" actId="20577"/>
-        <pc:sldMkLst>
-          <pc:docMk/>
-          <pc:sldMk cId="1241308872" sldId="1860"/>
-        </pc:sldMkLst>
-        <pc:spChg chg="mod">
-          <ac:chgData name="Khattab, Sherif" userId="c83b1e15-36f3-4f46-aceb-05aac24c545e" providerId="ADAL" clId="{44E41F31-2801-6340-85AA-C9D8C12F10B4}" dt="2021-02-03T13:12:24.257" v="312" actId="20577"/>
-          <ac:spMkLst>
-            <pc:docMk/>
-            <pc:sldMk cId="1241308872" sldId="1860"/>
-            <ac:spMk id="3" creationId="{BDC81B29-68EF-D34F-B9F6-D9EC25476DFF}"/>
-          </ac:spMkLst>
-        </pc:spChg>
-      </pc:sldChg>
-      <pc:sldChg chg="modSp mod">
-        <pc:chgData name="Khattab, Sherif" userId="c83b1e15-36f3-4f46-aceb-05aac24c545e" providerId="ADAL" clId="{44E41F31-2801-6340-85AA-C9D8C12F10B4}" dt="2021-02-03T13:23:46.469" v="495" actId="20577"/>
-        <pc:sldMkLst>
-          <pc:docMk/>
-          <pc:sldMk cId="2592895379" sldId="1861"/>
-        </pc:sldMkLst>
-        <pc:spChg chg="mod">
-          <ac:chgData name="Khattab, Sherif" userId="c83b1e15-36f3-4f46-aceb-05aac24c545e" providerId="ADAL" clId="{44E41F31-2801-6340-85AA-C9D8C12F10B4}" dt="2021-02-03T13:12:35.964" v="328" actId="20577"/>
-          <ac:spMkLst>
-            <pc:docMk/>
-            <pc:sldMk cId="2592895379" sldId="1861"/>
-            <ac:spMk id="2" creationId="{BC3ADD74-EB95-47D3-9ED2-6D8DD55DD99C}"/>
-          </ac:spMkLst>
-        </pc:spChg>
-        <pc:spChg chg="mod">
-          <ac:chgData name="Khattab, Sherif" userId="c83b1e15-36f3-4f46-aceb-05aac24c545e" providerId="ADAL" clId="{44E41F31-2801-6340-85AA-C9D8C12F10B4}" dt="2021-02-03T13:23:46.469" v="495" actId="20577"/>
-          <ac:spMkLst>
-            <pc:docMk/>
-            <pc:sldMk cId="2592895379" sldId="1861"/>
-            <ac:spMk id="3" creationId="{A296D1F4-E837-4F96-9F51-0E48E82EFCB0}"/>
-          </ac:spMkLst>
-        </pc:spChg>
       </pc:sldChg>
     </pc:docChg>
   </pc:docChgLst>
@@ -1920,6 +1910,29 @@
     </pc:docChg>
   </pc:docChgLst>
   <pc:docChgLst>
+    <pc:chgData name="Khattab, Sherif" userId="c83b1e15-36f3-4f46-aceb-05aac24c545e" providerId="ADAL" clId="{14DF4262-2F78-CF4C-9243-6B3BE41CA6F6}"/>
+    <pc:docChg chg="delSld">
+      <pc:chgData name="Khattab, Sherif" userId="c83b1e15-36f3-4f46-aceb-05aac24c545e" providerId="ADAL" clId="{14DF4262-2F78-CF4C-9243-6B3BE41CA6F6}" dt="2022-01-24T19:11:13.348" v="0" actId="2696"/>
+      <pc:docMkLst>
+        <pc:docMk/>
+      </pc:docMkLst>
+      <pc:sldChg chg="del">
+        <pc:chgData name="Khattab, Sherif" userId="c83b1e15-36f3-4f46-aceb-05aac24c545e" providerId="ADAL" clId="{14DF4262-2F78-CF4C-9243-6B3BE41CA6F6}" dt="2022-01-24T19:11:13.348" v="0" actId="2696"/>
+        <pc:sldMkLst>
+          <pc:docMk/>
+          <pc:sldMk cId="3409777137" sldId="1874"/>
+        </pc:sldMkLst>
+      </pc:sldChg>
+      <pc:sldChg chg="del">
+        <pc:chgData name="Khattab, Sherif" userId="c83b1e15-36f3-4f46-aceb-05aac24c545e" providerId="ADAL" clId="{14DF4262-2F78-CF4C-9243-6B3BE41CA6F6}" dt="2022-01-24T19:11:13.348" v="0" actId="2696"/>
+        <pc:sldMkLst>
+          <pc:docMk/>
+          <pc:sldMk cId="972574410" sldId="1876"/>
+        </pc:sldMkLst>
+      </pc:sldChg>
+    </pc:docChg>
+  </pc:docChgLst>
+  <pc:docChgLst>
     <pc:chgData name="Khattab, Sherif" userId="c83b1e15-36f3-4f46-aceb-05aac24c545e" providerId="ADAL" clId="{D639D9AC-2645-5840-A06B-951E41DBCC5A}"/>
     <pc:docChg chg="undo custSel delSld modSld">
       <pc:chgData name="Khattab, Sherif" userId="c83b1e15-36f3-4f46-aceb-05aac24c545e" providerId="ADAL" clId="{D639D9AC-2645-5840-A06B-951E41DBCC5A}" dt="2021-02-08T04:24:08.584" v="447" actId="20577"/>
@@ -2932,7 +2945,7 @@
           <a:p>
             <a:fld id="{A845D111-13B1-6540-9222-8BA23A0A1AF2}" type="datetimeFigureOut">
               <a:rPr lang="en-US" smtClean="0"/>
-              <a:t>9/27/2021</a:t>
+              <a:t>1/24/22</a:t>
             </a:fld>
             <a:endParaRPr lang="en-US"/>
           </a:p>
@@ -13708,360 +13721,6 @@
     <p:extLst>
       <p:ext uri="{BB962C8B-B14F-4D97-AF65-F5344CB8AC3E}">
         <p14:creationId xmlns:p14="http://schemas.microsoft.com/office/powerpoint/2010/main" val="4051688220"/>
-      </p:ext>
-    </p:extLst>
-  </p:cSld>
-  <p:clrMapOvr>
-    <a:masterClrMapping/>
-  </p:clrMapOvr>
-</p:sld>
-</file>
-
-<file path=ppt/slides/slide12.xml><?xml version="1.0" encoding="utf-8"?>
-<p:sld xmlns:a="http://schemas.openxmlformats.org/drawingml/2006/main" xmlns:r="http://schemas.openxmlformats.org/officeDocument/2006/relationships" xmlns:p="http://schemas.openxmlformats.org/presentationml/2006/main">
-  <p:cSld>
-    <p:spTree>
-      <p:nvGrpSpPr>
-        <p:cNvPr id="1" name=""/>
-        <p:cNvGrpSpPr/>
-        <p:nvPr/>
-      </p:nvGrpSpPr>
-      <p:grpSpPr>
-        <a:xfrm>
-          <a:off x="0" y="0"/>
-          <a:ext cx="0" cy="0"/>
-          <a:chOff x="0" y="0"/>
-          <a:chExt cx="0" cy="0"/>
-        </a:xfrm>
-      </p:grpSpPr>
-      <p:sp>
-        <p:nvSpPr>
-          <p:cNvPr id="2" name="Title 1">
-            <a:extLst>
-              <a:ext uri="{FF2B5EF4-FFF2-40B4-BE49-F238E27FC236}">
-                <a16:creationId xmlns:a16="http://schemas.microsoft.com/office/drawing/2014/main" id="{F8C38C92-9798-42DA-A083-C24A2C9B5537}"/>
-              </a:ext>
-            </a:extLst>
-          </p:cNvPr>
-          <p:cNvSpPr>
-            <a:spLocks noGrp="1"/>
-          </p:cNvSpPr>
-          <p:nvPr>
-            <p:ph type="title"/>
-          </p:nvPr>
-        </p:nvSpPr>
-        <p:spPr/>
-        <p:txBody>
-          <a:bodyPr/>
-          <a:lstStyle/>
-          <a:p>
-            <a:r>
-              <a:rPr lang="en-US"/>
-              <a:t>BSTs with varying heights</a:t>
-            </a:r>
-          </a:p>
-        </p:txBody>
-      </p:sp>
-      <p:sp>
-        <p:nvSpPr>
-          <p:cNvPr id="3" name="Content Placeholder 2">
-            <a:extLst>
-              <a:ext uri="{FF2B5EF4-FFF2-40B4-BE49-F238E27FC236}">
-                <a16:creationId xmlns:a16="http://schemas.microsoft.com/office/drawing/2014/main" id="{9F4092E2-AFA0-44C5-8D49-1C1556A5A933}"/>
-              </a:ext>
-            </a:extLst>
-          </p:cNvPr>
-          <p:cNvSpPr>
-            <a:spLocks noGrp="1"/>
-          </p:cNvSpPr>
-          <p:nvPr>
-            <p:ph idx="1"/>
-          </p:nvPr>
-        </p:nvSpPr>
-        <p:spPr/>
-        <p:txBody>
-          <a:bodyPr/>
-          <a:lstStyle/>
-          <a:p>
-            <a:endParaRPr lang="en-US"/>
-          </a:p>
-        </p:txBody>
-      </p:sp>
-      <p:sp>
-        <p:nvSpPr>
-          <p:cNvPr id="4" name="Footer Placeholder 3">
-            <a:extLst>
-              <a:ext uri="{FF2B5EF4-FFF2-40B4-BE49-F238E27FC236}">
-                <a16:creationId xmlns:a16="http://schemas.microsoft.com/office/drawing/2014/main" id="{FD599C8D-9747-4909-8F2F-B0DA1EC7D77D}"/>
-              </a:ext>
-            </a:extLst>
-          </p:cNvPr>
-          <p:cNvSpPr>
-            <a:spLocks noGrp="1"/>
-          </p:cNvSpPr>
-          <p:nvPr>
-            <p:ph type="ftr" idx="11"/>
-          </p:nvPr>
-        </p:nvSpPr>
-        <p:spPr/>
-        <p:txBody>
-          <a:bodyPr/>
-          <a:lstStyle/>
-          <a:p>
-            <a:pPr>
-              <a:defRPr/>
-            </a:pPr>
-            <a:r>
-              <a:rPr lang="en-US">
-                <a:latin typeface="+mn-lt"/>
-              </a:rPr>
-              <a:t>CS 1501 – Algorithms &amp; Data Structures 2 – Sherif Khattab</a:t>
-            </a:r>
-            <a:endParaRPr lang="en-GB"/>
-          </a:p>
-        </p:txBody>
-      </p:sp>
-      <p:sp>
-        <p:nvSpPr>
-          <p:cNvPr id="5" name="Slide Number Placeholder 4">
-            <a:extLst>
-              <a:ext uri="{FF2B5EF4-FFF2-40B4-BE49-F238E27FC236}">
-                <a16:creationId xmlns:a16="http://schemas.microsoft.com/office/drawing/2014/main" id="{180419D4-7ED8-453A-92B4-BF142E5D5459}"/>
-              </a:ext>
-            </a:extLst>
-          </p:cNvPr>
-          <p:cNvSpPr>
-            <a:spLocks noGrp="1"/>
-          </p:cNvSpPr>
-          <p:nvPr>
-            <p:ph type="sldNum" idx="12"/>
-          </p:nvPr>
-        </p:nvSpPr>
-        <p:spPr/>
-        <p:txBody>
-          <a:bodyPr/>
-          <a:lstStyle/>
-          <a:p>
-            <a:fld id="{65E435D9-63B0-4660-8D04-E83F5E2CA2AE}" type="slidenum">
-              <a:rPr lang="en-GB" altLang="en-US" smtClean="0"/>
-              <a:pPr/>
-              <a:t>12</a:t>
-            </a:fld>
-            <a:endParaRPr lang="en-GB" altLang="en-US"/>
-          </a:p>
-        </p:txBody>
-      </p:sp>
-      <p:pic>
-        <p:nvPicPr>
-          <p:cNvPr id="7" name="Picture 6">
-            <a:extLst>
-              <a:ext uri="{FF2B5EF4-FFF2-40B4-BE49-F238E27FC236}">
-                <a16:creationId xmlns:a16="http://schemas.microsoft.com/office/drawing/2014/main" id="{A1A214CE-6882-4472-AC79-5B2AF6B68305}"/>
-              </a:ext>
-            </a:extLst>
-          </p:cNvPr>
-          <p:cNvPicPr>
-            <a:picLocks noChangeAspect="1"/>
-          </p:cNvPicPr>
-          <p:nvPr/>
-        </p:nvPicPr>
-        <p:blipFill>
-          <a:blip r:embed="rId2"/>
-          <a:stretch>
-            <a:fillRect/>
-          </a:stretch>
-        </p:blipFill>
-        <p:spPr>
-          <a:xfrm>
-            <a:off x="1077864" y="1318727"/>
-            <a:ext cx="8358884" cy="5573704"/>
-          </a:xfrm>
-          <a:prstGeom prst="rect">
-            <a:avLst/>
-          </a:prstGeom>
-        </p:spPr>
-      </p:pic>
-    </p:spTree>
-    <p:extLst>
-      <p:ext uri="{BB962C8B-B14F-4D97-AF65-F5344CB8AC3E}">
-        <p14:creationId xmlns:p14="http://schemas.microsoft.com/office/powerpoint/2010/main" val="972574410"/>
-      </p:ext>
-    </p:extLst>
-  </p:cSld>
-  <p:clrMapOvr>
-    <a:masterClrMapping/>
-  </p:clrMapOvr>
-</p:sld>
-</file>
-
-<file path=ppt/slides/slide13.xml><?xml version="1.0" encoding="utf-8"?>
-<p:sld xmlns:a="http://schemas.openxmlformats.org/drawingml/2006/main" xmlns:r="http://schemas.openxmlformats.org/officeDocument/2006/relationships" xmlns:p="http://schemas.openxmlformats.org/presentationml/2006/main">
-  <p:cSld>
-    <p:spTree>
-      <p:nvGrpSpPr>
-        <p:cNvPr id="1" name=""/>
-        <p:cNvGrpSpPr/>
-        <p:nvPr/>
-      </p:nvGrpSpPr>
-      <p:grpSpPr>
-        <a:xfrm>
-          <a:off x="0" y="0"/>
-          <a:ext cx="0" cy="0"/>
-          <a:chOff x="0" y="0"/>
-          <a:chExt cx="0" cy="0"/>
-        </a:xfrm>
-      </p:grpSpPr>
-      <p:sp>
-        <p:nvSpPr>
-          <p:cNvPr id="2" name="Title 1">
-            <a:extLst>
-              <a:ext uri="{FF2B5EF4-FFF2-40B4-BE49-F238E27FC236}">
-                <a16:creationId xmlns:a16="http://schemas.microsoft.com/office/drawing/2014/main" id="{9C19357A-79CF-4420-98D2-CCC8A3C7BA47}"/>
-              </a:ext>
-            </a:extLst>
-          </p:cNvPr>
-          <p:cNvSpPr>
-            <a:spLocks noGrp="1"/>
-          </p:cNvSpPr>
-          <p:nvPr>
-            <p:ph type="title"/>
-          </p:nvPr>
-        </p:nvSpPr>
-        <p:spPr/>
-        <p:txBody>
-          <a:bodyPr/>
-          <a:lstStyle/>
-          <a:p>
-            <a:r>
-              <a:rPr lang="en-US"/>
-              <a:t>Searching in and insertion to a BST</a:t>
-            </a:r>
-          </a:p>
-        </p:txBody>
-      </p:sp>
-      <p:sp>
-        <p:nvSpPr>
-          <p:cNvPr id="3" name="Content Placeholder 2">
-            <a:extLst>
-              <a:ext uri="{FF2B5EF4-FFF2-40B4-BE49-F238E27FC236}">
-                <a16:creationId xmlns:a16="http://schemas.microsoft.com/office/drawing/2014/main" id="{F227D5D5-689D-4CF2-BC51-C8F4CBF095B7}"/>
-              </a:ext>
-            </a:extLst>
-          </p:cNvPr>
-          <p:cNvSpPr>
-            <a:spLocks noGrp="1"/>
-          </p:cNvSpPr>
-          <p:nvPr>
-            <p:ph idx="1"/>
-          </p:nvPr>
-        </p:nvSpPr>
-        <p:spPr/>
-        <p:txBody>
-          <a:bodyPr/>
-          <a:lstStyle/>
-          <a:p>
-            <a:endParaRPr lang="en-US"/>
-          </a:p>
-        </p:txBody>
-      </p:sp>
-      <p:sp>
-        <p:nvSpPr>
-          <p:cNvPr id="4" name="Footer Placeholder 3">
-            <a:extLst>
-              <a:ext uri="{FF2B5EF4-FFF2-40B4-BE49-F238E27FC236}">
-                <a16:creationId xmlns:a16="http://schemas.microsoft.com/office/drawing/2014/main" id="{BE9F2757-701C-4D5F-9C3B-D98BEE126DE6}"/>
-              </a:ext>
-            </a:extLst>
-          </p:cNvPr>
-          <p:cNvSpPr>
-            <a:spLocks noGrp="1"/>
-          </p:cNvSpPr>
-          <p:nvPr>
-            <p:ph type="ftr" idx="11"/>
-          </p:nvPr>
-        </p:nvSpPr>
-        <p:spPr/>
-        <p:txBody>
-          <a:bodyPr/>
-          <a:lstStyle/>
-          <a:p>
-            <a:pPr>
-              <a:defRPr/>
-            </a:pPr>
-            <a:r>
-              <a:rPr lang="en-US">
-                <a:latin typeface="+mn-lt"/>
-              </a:rPr>
-              <a:t>CS 1501 – Algorithms &amp; Data Structures 2 – Sherif Khattab</a:t>
-            </a:r>
-            <a:endParaRPr lang="en-GB"/>
-          </a:p>
-        </p:txBody>
-      </p:sp>
-      <p:sp>
-        <p:nvSpPr>
-          <p:cNvPr id="5" name="Slide Number Placeholder 4">
-            <a:extLst>
-              <a:ext uri="{FF2B5EF4-FFF2-40B4-BE49-F238E27FC236}">
-                <a16:creationId xmlns:a16="http://schemas.microsoft.com/office/drawing/2014/main" id="{FD7BE09A-4453-453B-85DA-D2784824128B}"/>
-              </a:ext>
-            </a:extLst>
-          </p:cNvPr>
-          <p:cNvSpPr>
-            <a:spLocks noGrp="1"/>
-          </p:cNvSpPr>
-          <p:nvPr>
-            <p:ph type="sldNum" idx="12"/>
-          </p:nvPr>
-        </p:nvSpPr>
-        <p:spPr/>
-        <p:txBody>
-          <a:bodyPr/>
-          <a:lstStyle/>
-          <a:p>
-            <a:fld id="{65E435D9-63B0-4660-8D04-E83F5E2CA2AE}" type="slidenum">
-              <a:rPr lang="en-GB" altLang="en-US" smtClean="0"/>
-              <a:pPr/>
-              <a:t>13</a:t>
-            </a:fld>
-            <a:endParaRPr lang="en-GB" altLang="en-US"/>
-          </a:p>
-        </p:txBody>
-      </p:sp>
-      <p:pic>
-        <p:nvPicPr>
-          <p:cNvPr id="7" name="Picture 6">
-            <a:extLst>
-              <a:ext uri="{FF2B5EF4-FFF2-40B4-BE49-F238E27FC236}">
-                <a16:creationId xmlns:a16="http://schemas.microsoft.com/office/drawing/2014/main" id="{6E77D898-3D24-44AD-BE48-2575EE8B9021}"/>
-              </a:ext>
-            </a:extLst>
-          </p:cNvPr>
-          <p:cNvPicPr>
-            <a:picLocks noChangeAspect="1"/>
-          </p:cNvPicPr>
-          <p:nvPr/>
-        </p:nvPicPr>
-        <p:blipFill>
-          <a:blip r:embed="rId2"/>
-          <a:stretch>
-            <a:fillRect/>
-          </a:stretch>
-        </p:blipFill>
-        <p:spPr>
-          <a:xfrm>
-            <a:off x="1432371" y="1200539"/>
-            <a:ext cx="8079022" cy="5387092"/>
-          </a:xfrm>
-          <a:prstGeom prst="rect">
-            <a:avLst/>
-          </a:prstGeom>
-        </p:spPr>
-      </p:pic>
-    </p:spTree>
-    <p:extLst>
-      <p:ext uri="{BB962C8B-B14F-4D97-AF65-F5344CB8AC3E}">
-        <p14:creationId xmlns:p14="http://schemas.microsoft.com/office/powerpoint/2010/main" val="3409777137"/>
       </p:ext>
     </p:extLst>
   </p:cSld>
